--- a/Basic_Computer_Skills_for_Forensics/5_Introduction_to_digital_forensics.pptx
+++ b/Basic_Computer_Skills_for_Forensics/5_Introduction_to_digital_forensics.pptx
@@ -7846,7 +7846,7 @@
           <a:p>
             <a:fld id="{B9658D5F-65FB-4E17-9D5B-8CF1DE5A98DF}" type="datetimeFigureOut">
               <a:rPr lang="en-US" smtClean="0"/>
-              <a:t>10/2/2024</a:t>
+              <a:t>10/3/2024</a:t>
             </a:fld>
             <a:endParaRPr lang="en-US"/>
           </a:p>
@@ -8242,7 +8242,7 @@
           <a:p>
             <a:fld id="{4263717A-E3C1-4BED-ABE0-B7069385E023}" type="datetimeFigureOut">
               <a:rPr lang="en-US" smtClean="0"/>
-              <a:t>10/2/2024</a:t>
+              <a:t>10/3/2024</a:t>
             </a:fld>
             <a:endParaRPr lang="en-US"/>
           </a:p>
@@ -8415,7 +8415,7 @@
           <a:p>
             <a:fld id="{4263717A-E3C1-4BED-ABE0-B7069385E023}" type="datetimeFigureOut">
               <a:rPr lang="en-US" smtClean="0"/>
-              <a:t>10/2/2024</a:t>
+              <a:t>10/3/2024</a:t>
             </a:fld>
             <a:endParaRPr lang="en-US"/>
           </a:p>
@@ -8593,7 +8593,7 @@
           <a:p>
             <a:fld id="{4263717A-E3C1-4BED-ABE0-B7069385E023}" type="datetimeFigureOut">
               <a:rPr lang="en-US" smtClean="0"/>
-              <a:t>10/2/2024</a:t>
+              <a:t>10/3/2024</a:t>
             </a:fld>
             <a:endParaRPr lang="en-US"/>
           </a:p>
@@ -8761,7 +8761,7 @@
           <a:p>
             <a:fld id="{4263717A-E3C1-4BED-ABE0-B7069385E023}" type="datetimeFigureOut">
               <a:rPr lang="en-US" smtClean="0"/>
-              <a:t>10/2/2024</a:t>
+              <a:t>10/3/2024</a:t>
             </a:fld>
             <a:endParaRPr lang="en-US"/>
           </a:p>
@@ -9006,7 +9006,7 @@
           <a:p>
             <a:fld id="{4263717A-E3C1-4BED-ABE0-B7069385E023}" type="datetimeFigureOut">
               <a:rPr lang="en-US" smtClean="0"/>
-              <a:t>10/2/2024</a:t>
+              <a:t>10/3/2024</a:t>
             </a:fld>
             <a:endParaRPr lang="en-US"/>
           </a:p>
@@ -9235,7 +9235,7 @@
           <a:p>
             <a:fld id="{4263717A-E3C1-4BED-ABE0-B7069385E023}" type="datetimeFigureOut">
               <a:rPr lang="en-US" smtClean="0"/>
-              <a:t>10/2/2024</a:t>
+              <a:t>10/3/2024</a:t>
             </a:fld>
             <a:endParaRPr lang="en-US"/>
           </a:p>
@@ -9599,7 +9599,7 @@
           <a:p>
             <a:fld id="{4263717A-E3C1-4BED-ABE0-B7069385E023}" type="datetimeFigureOut">
               <a:rPr lang="en-US" smtClean="0"/>
-              <a:t>10/2/2024</a:t>
+              <a:t>10/3/2024</a:t>
             </a:fld>
             <a:endParaRPr lang="en-US"/>
           </a:p>
@@ -9716,7 +9716,7 @@
           <a:p>
             <a:fld id="{4263717A-E3C1-4BED-ABE0-B7069385E023}" type="datetimeFigureOut">
               <a:rPr lang="en-US" smtClean="0"/>
-              <a:t>10/2/2024</a:t>
+              <a:t>10/3/2024</a:t>
             </a:fld>
             <a:endParaRPr lang="en-US"/>
           </a:p>
@@ -9811,7 +9811,7 @@
           <a:p>
             <a:fld id="{4263717A-E3C1-4BED-ABE0-B7069385E023}" type="datetimeFigureOut">
               <a:rPr lang="en-US" smtClean="0"/>
-              <a:t>10/2/2024</a:t>
+              <a:t>10/3/2024</a:t>
             </a:fld>
             <a:endParaRPr lang="en-US"/>
           </a:p>
@@ -10086,7 +10086,7 @@
           <a:p>
             <a:fld id="{4263717A-E3C1-4BED-ABE0-B7069385E023}" type="datetimeFigureOut">
               <a:rPr lang="en-US" smtClean="0"/>
-              <a:t>10/2/2024</a:t>
+              <a:t>10/3/2024</a:t>
             </a:fld>
             <a:endParaRPr lang="en-US"/>
           </a:p>
@@ -10338,7 +10338,7 @@
           <a:p>
             <a:fld id="{4263717A-E3C1-4BED-ABE0-B7069385E023}" type="datetimeFigureOut">
               <a:rPr lang="en-US" smtClean="0"/>
-              <a:t>10/2/2024</a:t>
+              <a:t>10/3/2024</a:t>
             </a:fld>
             <a:endParaRPr lang="en-US"/>
           </a:p>
@@ -10549,7 +10549,7 @@
           <a:p>
             <a:fld id="{4263717A-E3C1-4BED-ABE0-B7069385E023}" type="datetimeFigureOut">
               <a:rPr lang="en-US" smtClean="0"/>
-              <a:t>10/2/2024</a:t>
+              <a:t>10/3/2024</a:t>
             </a:fld>
             <a:endParaRPr lang="en-US"/>
           </a:p>
@@ -11141,8 +11141,12 @@
           <a:lstStyle/>
           <a:p>
             <a:r>
+              <a:rPr lang="en-US" sz="4000"/>
+              <a:t>Computer </a:t>
+            </a:r>
+            <a:r>
               <a:rPr lang="en-US" sz="4000" dirty="0"/>
-              <a:t>DFI102/INT313 Computer and Digital Forensics</a:t>
+              <a:t>and Digital Forensics</a:t>
             </a:r>
             <a:br>
               <a:rPr lang="en-US" sz="4000" dirty="0"/>
